--- a/data/ppt/mpi_send_modes.pptx
+++ b/data/ppt/mpi_send_modes.pptx
@@ -10,6 +10,7 @@
     <p:sldId id="258" r:id="rId4"/>
     <p:sldId id="259" r:id="rId5"/>
     <p:sldId id="260" r:id="rId6"/>
+    <p:sldId id="261" r:id="rId7"/>
   </p:sldIdLst>
   <p:sldSz cx="12192000" cy="6858000"/>
   <p:notesSz cx="6858000" cy="9144000"/>
@@ -7558,6 +7559,1072 @@
     <p:extLst>
       <p:ext uri="{BB962C8B-B14F-4D97-AF65-F5344CB8AC3E}">
         <p14:creationId xmlns:p14="http://schemas.microsoft.com/office/powerpoint/2010/main" val="971207910"/>
+      </p:ext>
+    </p:extLst>
+  </p:cSld>
+  <p:clrMapOvr>
+    <a:masterClrMapping/>
+  </p:clrMapOvr>
+</p:sld>
+</file>
+
+<file path=ppt/slides/slide6.xml><?xml version="1.0" encoding="utf-8"?>
+<p:sld xmlns:a="http://schemas.openxmlformats.org/drawingml/2006/main" xmlns:r="http://schemas.openxmlformats.org/officeDocument/2006/relationships" xmlns:p="http://schemas.openxmlformats.org/presentationml/2006/main">
+  <p:cSld>
+    <p:spTree>
+      <p:nvGrpSpPr>
+        <p:cNvPr id="1" name=""/>
+        <p:cNvGrpSpPr/>
+        <p:nvPr/>
+      </p:nvGrpSpPr>
+      <p:grpSpPr>
+        <a:xfrm>
+          <a:off x="0" y="0"/>
+          <a:ext cx="0" cy="0"/>
+          <a:chOff x="0" y="0"/>
+          <a:chExt cx="0" cy="0"/>
+        </a:xfrm>
+      </p:grpSpPr>
+      <p:cxnSp>
+        <p:nvCxnSpPr>
+          <p:cNvPr id="5" name="Straight Arrow Connector 4"/>
+          <p:cNvCxnSpPr/>
+          <p:nvPr/>
+        </p:nvCxnSpPr>
+        <p:spPr>
+          <a:xfrm>
+            <a:off x="2472744" y="1609859"/>
+            <a:ext cx="0" cy="3915178"/>
+          </a:xfrm>
+          <a:prstGeom prst="straightConnector1">
+            <a:avLst/>
+          </a:prstGeom>
+          <a:ln>
+            <a:tailEnd type="triangle"/>
+          </a:ln>
+        </p:spPr>
+        <p:style>
+          <a:lnRef idx="1">
+            <a:schemeClr val="dk1"/>
+          </a:lnRef>
+          <a:fillRef idx="0">
+            <a:schemeClr val="dk1"/>
+          </a:fillRef>
+          <a:effectRef idx="0">
+            <a:schemeClr val="dk1"/>
+          </a:effectRef>
+          <a:fontRef idx="minor">
+            <a:schemeClr val="tx1"/>
+          </a:fontRef>
+        </p:style>
+      </p:cxnSp>
+      <p:cxnSp>
+        <p:nvCxnSpPr>
+          <p:cNvPr id="8" name="Straight Connector 7"/>
+          <p:cNvCxnSpPr/>
+          <p:nvPr/>
+        </p:nvCxnSpPr>
+        <p:spPr>
+          <a:xfrm>
+            <a:off x="1957589" y="2537138"/>
+            <a:ext cx="515155" cy="0"/>
+          </a:xfrm>
+          <a:prstGeom prst="line">
+            <a:avLst/>
+          </a:prstGeom>
+        </p:spPr>
+        <p:style>
+          <a:lnRef idx="1">
+            <a:schemeClr val="accent1"/>
+          </a:lnRef>
+          <a:fillRef idx="0">
+            <a:schemeClr val="accent1"/>
+          </a:fillRef>
+          <a:effectRef idx="0">
+            <a:schemeClr val="accent1"/>
+          </a:effectRef>
+          <a:fontRef idx="minor">
+            <a:schemeClr val="tx1"/>
+          </a:fontRef>
+        </p:style>
+      </p:cxnSp>
+      <p:sp>
+        <p:nvSpPr>
+          <p:cNvPr id="9" name="TextBox 8"/>
+          <p:cNvSpPr txBox="1"/>
+          <p:nvPr/>
+        </p:nvSpPr>
+        <p:spPr>
+          <a:xfrm>
+            <a:off x="1225286" y="2167806"/>
+            <a:ext cx="1300805" cy="369332"/>
+          </a:xfrm>
+          <a:prstGeom prst="rect">
+            <a:avLst/>
+          </a:prstGeom>
+          <a:noFill/>
+        </p:spPr>
+        <p:txBody>
+          <a:bodyPr wrap="none" rtlCol="0">
+            <a:spAutoFit/>
+          </a:bodyPr>
+          <a:lstStyle/>
+          <a:p>
+            <a:r>
+              <a:rPr lang="en-GB" dirty="0" smtClean="0"/>
+              <a:t>MPI_Ibsend</a:t>
+            </a:r>
+            <a:endParaRPr lang="en-GB" dirty="0"/>
+          </a:p>
+        </p:txBody>
+      </p:sp>
+      <p:cxnSp>
+        <p:nvCxnSpPr>
+          <p:cNvPr id="10" name="Straight Arrow Connector 9"/>
+          <p:cNvCxnSpPr/>
+          <p:nvPr/>
+        </p:nvCxnSpPr>
+        <p:spPr>
+          <a:xfrm>
+            <a:off x="3745606" y="1659227"/>
+            <a:ext cx="0" cy="3915178"/>
+          </a:xfrm>
+          <a:prstGeom prst="straightConnector1">
+            <a:avLst/>
+          </a:prstGeom>
+          <a:ln>
+            <a:tailEnd type="triangle"/>
+          </a:ln>
+        </p:spPr>
+        <p:style>
+          <a:lnRef idx="1">
+            <a:schemeClr val="dk1"/>
+          </a:lnRef>
+          <a:fillRef idx="0">
+            <a:schemeClr val="dk1"/>
+          </a:fillRef>
+          <a:effectRef idx="0">
+            <a:schemeClr val="dk1"/>
+          </a:effectRef>
+          <a:fontRef idx="minor">
+            <a:schemeClr val="tx1"/>
+          </a:fontRef>
+        </p:style>
+      </p:cxnSp>
+      <p:sp>
+        <p:nvSpPr>
+          <p:cNvPr id="12" name="TextBox 11"/>
+          <p:cNvSpPr txBox="1"/>
+          <p:nvPr/>
+        </p:nvSpPr>
+        <p:spPr>
+          <a:xfrm>
+            <a:off x="3593206" y="1068946"/>
+            <a:ext cx="744114" cy="369332"/>
+          </a:xfrm>
+          <a:prstGeom prst="rect">
+            <a:avLst/>
+          </a:prstGeom>
+          <a:noFill/>
+        </p:spPr>
+        <p:txBody>
+          <a:bodyPr wrap="none" rtlCol="0">
+            <a:spAutoFit/>
+          </a:bodyPr>
+          <a:lstStyle/>
+          <a:p>
+            <a:r>
+              <a:rPr lang="en-GB" dirty="0" smtClean="0"/>
+              <a:t>MPI A</a:t>
+            </a:r>
+            <a:endParaRPr lang="en-GB" dirty="0"/>
+          </a:p>
+        </p:txBody>
+      </p:sp>
+      <p:cxnSp>
+        <p:nvCxnSpPr>
+          <p:cNvPr id="14" name="Straight Arrow Connector 13"/>
+          <p:cNvCxnSpPr/>
+          <p:nvPr/>
+        </p:nvCxnSpPr>
+        <p:spPr>
+          <a:xfrm>
+            <a:off x="2356834" y="2537138"/>
+            <a:ext cx="2522735" cy="0"/>
+          </a:xfrm>
+          <a:prstGeom prst="straightConnector1">
+            <a:avLst/>
+          </a:prstGeom>
+          <a:ln>
+            <a:tailEnd type="triangle"/>
+          </a:ln>
+        </p:spPr>
+        <p:style>
+          <a:lnRef idx="1">
+            <a:schemeClr val="accent1"/>
+          </a:lnRef>
+          <a:fillRef idx="0">
+            <a:schemeClr val="accent1"/>
+          </a:fillRef>
+          <a:effectRef idx="0">
+            <a:schemeClr val="accent1"/>
+          </a:effectRef>
+          <a:fontRef idx="minor">
+            <a:schemeClr val="tx1"/>
+          </a:fontRef>
+        </p:style>
+      </p:cxnSp>
+      <p:sp>
+        <p:nvSpPr>
+          <p:cNvPr id="15" name="TextBox 14"/>
+          <p:cNvSpPr txBox="1"/>
+          <p:nvPr/>
+        </p:nvSpPr>
+        <p:spPr>
+          <a:xfrm>
+            <a:off x="3812769" y="2031608"/>
+            <a:ext cx="1369157" cy="369332"/>
+          </a:xfrm>
+          <a:prstGeom prst="rect">
+            <a:avLst/>
+          </a:prstGeom>
+          <a:noFill/>
+        </p:spPr>
+        <p:txBody>
+          <a:bodyPr wrap="none" rtlCol="0">
+            <a:spAutoFit/>
+          </a:bodyPr>
+          <a:lstStyle/>
+          <a:p>
+            <a:r>
+              <a:rPr lang="en-GB" dirty="0" smtClean="0"/>
+              <a:t>1) Matched?</a:t>
+            </a:r>
+            <a:endParaRPr lang="en-GB" dirty="0"/>
+          </a:p>
+        </p:txBody>
+      </p:sp>
+      <p:cxnSp>
+        <p:nvCxnSpPr>
+          <p:cNvPr id="22" name="Straight Arrow Connector 21"/>
+          <p:cNvCxnSpPr/>
+          <p:nvPr/>
+        </p:nvCxnSpPr>
+        <p:spPr>
+          <a:xfrm>
+            <a:off x="2987899" y="3296994"/>
+            <a:ext cx="757707" cy="0"/>
+          </a:xfrm>
+          <a:prstGeom prst="straightConnector1">
+            <a:avLst/>
+          </a:prstGeom>
+          <a:ln>
+            <a:tailEnd type="triangle"/>
+          </a:ln>
+        </p:spPr>
+        <p:style>
+          <a:lnRef idx="1">
+            <a:schemeClr val="accent1"/>
+          </a:lnRef>
+          <a:fillRef idx="0">
+            <a:schemeClr val="accent1"/>
+          </a:fillRef>
+          <a:effectRef idx="0">
+            <a:schemeClr val="accent1"/>
+          </a:effectRef>
+          <a:fontRef idx="minor">
+            <a:schemeClr val="tx1"/>
+          </a:fontRef>
+        </p:style>
+      </p:cxnSp>
+      <p:sp>
+        <p:nvSpPr>
+          <p:cNvPr id="23" name="TextBox 22"/>
+          <p:cNvSpPr txBox="1"/>
+          <p:nvPr/>
+        </p:nvSpPr>
+        <p:spPr>
+          <a:xfrm>
+            <a:off x="2524514" y="2927662"/>
+            <a:ext cx="1234825" cy="369332"/>
+          </a:xfrm>
+          <a:prstGeom prst="rect">
+            <a:avLst/>
+          </a:prstGeom>
+          <a:noFill/>
+        </p:spPr>
+        <p:txBody>
+          <a:bodyPr wrap="none" rtlCol="0">
+            <a:spAutoFit/>
+          </a:bodyPr>
+          <a:lstStyle/>
+          <a:p>
+            <a:r>
+              <a:rPr lang="en-GB" dirty="0" smtClean="0"/>
+              <a:t>2) Buffered</a:t>
+            </a:r>
+            <a:endParaRPr lang="en-GB" dirty="0"/>
+          </a:p>
+        </p:txBody>
+      </p:sp>
+      <p:cxnSp>
+        <p:nvCxnSpPr>
+          <p:cNvPr id="25" name="Straight Connector 24"/>
+          <p:cNvCxnSpPr/>
+          <p:nvPr/>
+        </p:nvCxnSpPr>
+        <p:spPr>
+          <a:xfrm flipH="1">
+            <a:off x="2790235" y="4031087"/>
+            <a:ext cx="2702244" cy="0"/>
+          </a:xfrm>
+          <a:prstGeom prst="line">
+            <a:avLst/>
+          </a:prstGeom>
+        </p:spPr>
+        <p:style>
+          <a:lnRef idx="1">
+            <a:schemeClr val="accent2"/>
+          </a:lnRef>
+          <a:fillRef idx="0">
+            <a:schemeClr val="accent2"/>
+          </a:fillRef>
+          <a:effectRef idx="0">
+            <a:schemeClr val="accent2"/>
+          </a:effectRef>
+          <a:fontRef idx="minor">
+            <a:schemeClr val="tx1"/>
+          </a:fontRef>
+        </p:style>
+      </p:cxnSp>
+      <p:sp>
+        <p:nvSpPr>
+          <p:cNvPr id="26" name="TextBox 25"/>
+          <p:cNvSpPr txBox="1"/>
+          <p:nvPr/>
+        </p:nvSpPr>
+        <p:spPr>
+          <a:xfrm>
+            <a:off x="2565717" y="4024648"/>
+            <a:ext cx="1214884" cy="369332"/>
+          </a:xfrm>
+          <a:prstGeom prst="rect">
+            <a:avLst/>
+          </a:prstGeom>
+          <a:noFill/>
+        </p:spPr>
+        <p:txBody>
+          <a:bodyPr wrap="none" rtlCol="0">
+            <a:spAutoFit/>
+          </a:bodyPr>
+          <a:lstStyle/>
+          <a:p>
+            <a:r>
+              <a:rPr lang="en-GB" dirty="0" smtClean="0"/>
+              <a:t>Completed</a:t>
+            </a:r>
+            <a:endParaRPr lang="en-GB" dirty="0"/>
+          </a:p>
+        </p:txBody>
+      </p:sp>
+      <p:sp>
+        <p:nvSpPr>
+          <p:cNvPr id="36" name="TextBox 35"/>
+          <p:cNvSpPr txBox="1"/>
+          <p:nvPr/>
+        </p:nvSpPr>
+        <p:spPr>
+          <a:xfrm>
+            <a:off x="2025601" y="1070921"/>
+            <a:ext cx="1080232" cy="369332"/>
+          </a:xfrm>
+          <a:prstGeom prst="rect">
+            <a:avLst/>
+          </a:prstGeom>
+          <a:noFill/>
+        </p:spPr>
+        <p:txBody>
+          <a:bodyPr wrap="none" rtlCol="0">
+            <a:spAutoFit/>
+          </a:bodyPr>
+          <a:lstStyle/>
+          <a:p>
+            <a:r>
+              <a:rPr lang="en-GB" dirty="0" smtClean="0"/>
+              <a:t>Process A</a:t>
+            </a:r>
+            <a:endParaRPr lang="en-GB" dirty="0"/>
+          </a:p>
+        </p:txBody>
+      </p:sp>
+      <p:cxnSp>
+        <p:nvCxnSpPr>
+          <p:cNvPr id="38" name="Straight Arrow Connector 37"/>
+          <p:cNvCxnSpPr/>
+          <p:nvPr/>
+        </p:nvCxnSpPr>
+        <p:spPr>
+          <a:xfrm>
+            <a:off x="6166834" y="1485294"/>
+            <a:ext cx="0" cy="3915178"/>
+          </a:xfrm>
+          <a:prstGeom prst="straightConnector1">
+            <a:avLst/>
+          </a:prstGeom>
+          <a:ln>
+            <a:tailEnd type="triangle"/>
+          </a:ln>
+        </p:spPr>
+        <p:style>
+          <a:lnRef idx="1">
+            <a:schemeClr val="dk1"/>
+          </a:lnRef>
+          <a:fillRef idx="0">
+            <a:schemeClr val="dk1"/>
+          </a:fillRef>
+          <a:effectRef idx="0">
+            <a:schemeClr val="dk1"/>
+          </a:effectRef>
+          <a:fontRef idx="minor">
+            <a:schemeClr val="tx1"/>
+          </a:fontRef>
+        </p:style>
+      </p:cxnSp>
+      <p:cxnSp>
+        <p:nvCxnSpPr>
+          <p:cNvPr id="39" name="Straight Arrow Connector 38"/>
+          <p:cNvCxnSpPr/>
+          <p:nvPr/>
+        </p:nvCxnSpPr>
+        <p:spPr>
+          <a:xfrm>
+            <a:off x="7439696" y="1485294"/>
+            <a:ext cx="0" cy="3964546"/>
+          </a:xfrm>
+          <a:prstGeom prst="straightConnector1">
+            <a:avLst/>
+          </a:prstGeom>
+          <a:ln>
+            <a:tailEnd type="triangle"/>
+          </a:ln>
+        </p:spPr>
+        <p:style>
+          <a:lnRef idx="1">
+            <a:schemeClr val="dk1"/>
+          </a:lnRef>
+          <a:fillRef idx="0">
+            <a:schemeClr val="dk1"/>
+          </a:fillRef>
+          <a:effectRef idx="0">
+            <a:schemeClr val="dk1"/>
+          </a:effectRef>
+          <a:fontRef idx="minor">
+            <a:schemeClr val="tx1"/>
+          </a:fontRef>
+        </p:style>
+      </p:cxnSp>
+      <p:sp>
+        <p:nvSpPr>
+          <p:cNvPr id="41" name="TextBox 40"/>
+          <p:cNvSpPr txBox="1"/>
+          <p:nvPr/>
+        </p:nvSpPr>
+        <p:spPr>
+          <a:xfrm>
+            <a:off x="7210023" y="1006768"/>
+            <a:ext cx="1072217" cy="369332"/>
+          </a:xfrm>
+          <a:prstGeom prst="rect">
+            <a:avLst/>
+          </a:prstGeom>
+          <a:noFill/>
+        </p:spPr>
+        <p:txBody>
+          <a:bodyPr wrap="none" rtlCol="0">
+            <a:spAutoFit/>
+          </a:bodyPr>
+          <a:lstStyle/>
+          <a:p>
+            <a:r>
+              <a:rPr lang="en-GB" dirty="0" smtClean="0"/>
+              <a:t>Process B</a:t>
+            </a:r>
+            <a:endParaRPr lang="en-GB" dirty="0"/>
+          </a:p>
+        </p:txBody>
+      </p:sp>
+      <p:sp>
+        <p:nvSpPr>
+          <p:cNvPr id="42" name="TextBox 41"/>
+          <p:cNvSpPr txBox="1"/>
+          <p:nvPr/>
+        </p:nvSpPr>
+        <p:spPr>
+          <a:xfrm>
+            <a:off x="5642418" y="1008743"/>
+            <a:ext cx="736099" cy="369332"/>
+          </a:xfrm>
+          <a:prstGeom prst="rect">
+            <a:avLst/>
+          </a:prstGeom>
+          <a:noFill/>
+        </p:spPr>
+        <p:txBody>
+          <a:bodyPr wrap="none" rtlCol="0">
+            <a:spAutoFit/>
+          </a:bodyPr>
+          <a:lstStyle/>
+          <a:p>
+            <a:r>
+              <a:rPr lang="en-GB" dirty="0" smtClean="0"/>
+              <a:t>MPI B</a:t>
+            </a:r>
+            <a:endParaRPr lang="en-GB" dirty="0"/>
+          </a:p>
+        </p:txBody>
+      </p:sp>
+      <p:sp>
+        <p:nvSpPr>
+          <p:cNvPr id="2" name="Rectangle 1"/>
+          <p:cNvSpPr/>
+          <p:nvPr/>
+        </p:nvSpPr>
+        <p:spPr>
+          <a:xfrm>
+            <a:off x="3759339" y="2537138"/>
+            <a:ext cx="131754" cy="2550017"/>
+          </a:xfrm>
+          <a:prstGeom prst="rect">
+            <a:avLst/>
+          </a:prstGeom>
+        </p:spPr>
+        <p:style>
+          <a:lnRef idx="2">
+            <a:schemeClr val="accent1">
+              <a:shade val="50000"/>
+            </a:schemeClr>
+          </a:lnRef>
+          <a:fillRef idx="1">
+            <a:schemeClr val="accent1"/>
+          </a:fillRef>
+          <a:effectRef idx="0">
+            <a:schemeClr val="accent1"/>
+          </a:effectRef>
+          <a:fontRef idx="minor">
+            <a:schemeClr val="lt1"/>
+          </a:fontRef>
+        </p:style>
+        <p:txBody>
+          <a:bodyPr rtlCol="0" anchor="ctr"/>
+          <a:lstStyle/>
+          <a:p>
+            <a:pPr algn="ctr"/>
+            <a:endParaRPr lang="en-GB"/>
+          </a:p>
+        </p:txBody>
+      </p:sp>
+      <p:cxnSp>
+        <p:nvCxnSpPr>
+          <p:cNvPr id="4" name="Straight Arrow Connector 3"/>
+          <p:cNvCxnSpPr/>
+          <p:nvPr/>
+        </p:nvCxnSpPr>
+        <p:spPr>
+          <a:xfrm>
+            <a:off x="3915177" y="5087155"/>
+            <a:ext cx="1429555" cy="0"/>
+          </a:xfrm>
+          <a:prstGeom prst="straightConnector1">
+            <a:avLst/>
+          </a:prstGeom>
+          <a:ln>
+            <a:tailEnd type="triangle"/>
+          </a:ln>
+        </p:spPr>
+        <p:style>
+          <a:lnRef idx="1">
+            <a:schemeClr val="accent1"/>
+          </a:lnRef>
+          <a:fillRef idx="0">
+            <a:schemeClr val="accent1"/>
+          </a:fillRef>
+          <a:effectRef idx="0">
+            <a:schemeClr val="accent1"/>
+          </a:effectRef>
+          <a:fontRef idx="minor">
+            <a:schemeClr val="tx1"/>
+          </a:fontRef>
+        </p:style>
+      </p:cxnSp>
+      <p:cxnSp>
+        <p:nvCxnSpPr>
+          <p:cNvPr id="7" name="Straight Arrow Connector 6"/>
+          <p:cNvCxnSpPr/>
+          <p:nvPr/>
+        </p:nvCxnSpPr>
+        <p:spPr>
+          <a:xfrm flipH="1">
+            <a:off x="6166834" y="4945487"/>
+            <a:ext cx="1272862" cy="12879"/>
+          </a:xfrm>
+          <a:prstGeom prst="straightConnector1">
+            <a:avLst/>
+          </a:prstGeom>
+          <a:ln>
+            <a:tailEnd type="triangle"/>
+          </a:ln>
+        </p:spPr>
+        <p:style>
+          <a:lnRef idx="1">
+            <a:schemeClr val="accent1"/>
+          </a:lnRef>
+          <a:fillRef idx="0">
+            <a:schemeClr val="accent1"/>
+          </a:fillRef>
+          <a:effectRef idx="0">
+            <a:schemeClr val="accent1"/>
+          </a:effectRef>
+          <a:fontRef idx="minor">
+            <a:schemeClr val="tx1"/>
+          </a:fontRef>
+        </p:style>
+      </p:cxnSp>
+      <p:sp>
+        <p:nvSpPr>
+          <p:cNvPr id="11" name="TextBox 10"/>
+          <p:cNvSpPr txBox="1"/>
+          <p:nvPr/>
+        </p:nvSpPr>
+        <p:spPr>
+          <a:xfrm>
+            <a:off x="6166833" y="4576155"/>
+            <a:ext cx="1310680" cy="369332"/>
+          </a:xfrm>
+          <a:prstGeom prst="rect">
+            <a:avLst/>
+          </a:prstGeom>
+          <a:noFill/>
+        </p:spPr>
+        <p:txBody>
+          <a:bodyPr wrap="none" rtlCol="0">
+            <a:spAutoFit/>
+          </a:bodyPr>
+          <a:lstStyle/>
+          <a:p>
+            <a:r>
+              <a:rPr lang="en-GB" dirty="0" smtClean="0"/>
+              <a:t>Recv Posted</a:t>
+            </a:r>
+            <a:endParaRPr lang="en-GB" dirty="0"/>
+          </a:p>
+        </p:txBody>
+      </p:sp>
+      <p:sp>
+        <p:nvSpPr>
+          <p:cNvPr id="13" name="TextBox 12"/>
+          <p:cNvSpPr txBox="1"/>
+          <p:nvPr/>
+        </p:nvSpPr>
+        <p:spPr>
+          <a:xfrm>
+            <a:off x="3928909" y="4674824"/>
+            <a:ext cx="1563570" cy="369332"/>
+          </a:xfrm>
+          <a:prstGeom prst="rect">
+            <a:avLst/>
+          </a:prstGeom>
+          <a:noFill/>
+        </p:spPr>
+        <p:txBody>
+          <a:bodyPr wrap="none" rtlCol="0">
+            <a:spAutoFit/>
+          </a:bodyPr>
+          <a:lstStyle/>
+          <a:p>
+            <a:r>
+              <a:rPr lang="en-GB" dirty="0" smtClean="0"/>
+              <a:t>Transfer buffer</a:t>
+            </a:r>
+            <a:endParaRPr lang="en-GB" dirty="0"/>
+          </a:p>
+        </p:txBody>
+      </p:sp>
+      <p:cxnSp>
+        <p:nvCxnSpPr>
+          <p:cNvPr id="24" name="Straight Arrow Connector 23"/>
+          <p:cNvCxnSpPr/>
+          <p:nvPr/>
+        </p:nvCxnSpPr>
+        <p:spPr>
+          <a:xfrm>
+            <a:off x="3571498" y="3296994"/>
+            <a:ext cx="0" cy="727654"/>
+          </a:xfrm>
+          <a:prstGeom prst="straightConnector1">
+            <a:avLst/>
+          </a:prstGeom>
+          <a:ln>
+            <a:tailEnd type="triangle"/>
+          </a:ln>
+        </p:spPr>
+        <p:style>
+          <a:lnRef idx="1">
+            <a:schemeClr val="accent1"/>
+          </a:lnRef>
+          <a:fillRef idx="0">
+            <a:schemeClr val="accent1"/>
+          </a:fillRef>
+          <a:effectRef idx="0">
+            <a:schemeClr val="accent1"/>
+          </a:effectRef>
+          <a:fontRef idx="minor">
+            <a:schemeClr val="tx1"/>
+          </a:fontRef>
+        </p:style>
+      </p:cxnSp>
+      <p:cxnSp>
+        <p:nvCxnSpPr>
+          <p:cNvPr id="18" name="Straight Arrow Connector 17"/>
+          <p:cNvCxnSpPr/>
+          <p:nvPr/>
+        </p:nvCxnSpPr>
+        <p:spPr>
+          <a:xfrm>
+            <a:off x="4669084" y="2541499"/>
+            <a:ext cx="0" cy="1483149"/>
+          </a:xfrm>
+          <a:prstGeom prst="straightConnector1">
+            <a:avLst/>
+          </a:prstGeom>
+          <a:ln>
+            <a:tailEnd type="triangle"/>
+          </a:ln>
+        </p:spPr>
+        <p:style>
+          <a:lnRef idx="1">
+            <a:schemeClr val="accent1"/>
+          </a:lnRef>
+          <a:fillRef idx="0">
+            <a:schemeClr val="accent1"/>
+          </a:fillRef>
+          <a:effectRef idx="0">
+            <a:schemeClr val="accent1"/>
+          </a:effectRef>
+          <a:fontRef idx="minor">
+            <a:schemeClr val="tx1"/>
+          </a:fontRef>
+        </p:style>
+      </p:cxnSp>
+      <p:sp>
+        <p:nvSpPr>
+          <p:cNvPr id="33" name="Rectangle 32"/>
+          <p:cNvSpPr/>
+          <p:nvPr/>
+        </p:nvSpPr>
+        <p:spPr>
+          <a:xfrm>
+            <a:off x="2377663" y="2537139"/>
+            <a:ext cx="95080" cy="328514"/>
+          </a:xfrm>
+          <a:prstGeom prst="rect">
+            <a:avLst/>
+          </a:prstGeom>
+        </p:spPr>
+        <p:style>
+          <a:lnRef idx="2">
+            <a:schemeClr val="accent1">
+              <a:shade val="50000"/>
+            </a:schemeClr>
+          </a:lnRef>
+          <a:fillRef idx="1">
+            <a:schemeClr val="accent1"/>
+          </a:fillRef>
+          <a:effectRef idx="0">
+            <a:schemeClr val="accent1"/>
+          </a:effectRef>
+          <a:fontRef idx="minor">
+            <a:schemeClr val="lt1"/>
+          </a:fontRef>
+        </p:style>
+        <p:txBody>
+          <a:bodyPr rtlCol="0" anchor="ctr"/>
+          <a:lstStyle/>
+          <a:p>
+            <a:pPr algn="ctr"/>
+            <a:endParaRPr lang="en-GB"/>
+          </a:p>
+        </p:txBody>
+      </p:sp>
+      <p:cxnSp>
+        <p:nvCxnSpPr>
+          <p:cNvPr id="34" name="Straight Arrow Connector 33"/>
+          <p:cNvCxnSpPr/>
+          <p:nvPr/>
+        </p:nvCxnSpPr>
+        <p:spPr>
+          <a:xfrm flipH="1">
+            <a:off x="1442393" y="2865653"/>
+            <a:ext cx="1030350" cy="0"/>
+          </a:xfrm>
+          <a:prstGeom prst="straightConnector1">
+            <a:avLst/>
+          </a:prstGeom>
+          <a:ln>
+            <a:tailEnd type="triangle"/>
+          </a:ln>
+        </p:spPr>
+        <p:style>
+          <a:lnRef idx="1">
+            <a:schemeClr val="accent1"/>
+          </a:lnRef>
+          <a:fillRef idx="0">
+            <a:schemeClr val="accent1"/>
+          </a:fillRef>
+          <a:effectRef idx="0">
+            <a:schemeClr val="accent1"/>
+          </a:effectRef>
+          <a:fontRef idx="minor">
+            <a:schemeClr val="tx1"/>
+          </a:fontRef>
+        </p:style>
+      </p:cxnSp>
+      <p:sp>
+        <p:nvSpPr>
+          <p:cNvPr id="35" name="TextBox 34"/>
+          <p:cNvSpPr txBox="1"/>
+          <p:nvPr/>
+        </p:nvSpPr>
+        <p:spPr>
+          <a:xfrm>
+            <a:off x="1249211" y="2829641"/>
+            <a:ext cx="820609" cy="369332"/>
+          </a:xfrm>
+          <a:prstGeom prst="rect">
+            <a:avLst/>
+          </a:prstGeom>
+          <a:noFill/>
+        </p:spPr>
+        <p:txBody>
+          <a:bodyPr wrap="none" rtlCol="0">
+            <a:spAutoFit/>
+          </a:bodyPr>
+          <a:lstStyle/>
+          <a:p>
+            <a:r>
+              <a:rPr lang="en-GB" dirty="0" smtClean="0"/>
+              <a:t>Return</a:t>
+            </a:r>
+            <a:endParaRPr lang="en-GB" dirty="0"/>
+          </a:p>
+        </p:txBody>
+      </p:sp>
+      <p:sp>
+        <p:nvSpPr>
+          <p:cNvPr id="37" name="TextBox 36"/>
+          <p:cNvSpPr txBox="1"/>
+          <p:nvPr/>
+        </p:nvSpPr>
+        <p:spPr>
+          <a:xfrm>
+            <a:off x="746039" y="3375695"/>
+            <a:ext cx="1044838" cy="369332"/>
+          </a:xfrm>
+          <a:prstGeom prst="rect">
+            <a:avLst/>
+          </a:prstGeom>
+          <a:noFill/>
+        </p:spPr>
+        <p:txBody>
+          <a:bodyPr wrap="none" rtlCol="0">
+            <a:spAutoFit/>
+          </a:bodyPr>
+          <a:lstStyle/>
+          <a:p>
+            <a:r>
+              <a:rPr lang="en-GB" dirty="0" smtClean="0"/>
+              <a:t>MPI_Test</a:t>
+            </a:r>
+            <a:endParaRPr lang="en-GB" dirty="0"/>
+          </a:p>
+        </p:txBody>
+      </p:sp>
+      <p:sp>
+        <p:nvSpPr>
+          <p:cNvPr id="40" name="Multiply 39"/>
+          <p:cNvSpPr/>
+          <p:nvPr/>
+        </p:nvSpPr>
+        <p:spPr>
+          <a:xfrm>
+            <a:off x="1790877" y="3439648"/>
+            <a:ext cx="262416" cy="294371"/>
+          </a:xfrm>
+          <a:prstGeom prst="mathMultiply">
+            <a:avLst/>
+          </a:prstGeom>
+        </p:spPr>
+        <p:style>
+          <a:lnRef idx="2">
+            <a:schemeClr val="accent1">
+              <a:shade val="50000"/>
+            </a:schemeClr>
+          </a:lnRef>
+          <a:fillRef idx="1">
+            <a:schemeClr val="accent1"/>
+          </a:fillRef>
+          <a:effectRef idx="0">
+            <a:schemeClr val="accent1"/>
+          </a:effectRef>
+          <a:fontRef idx="minor">
+            <a:schemeClr val="lt1"/>
+          </a:fontRef>
+        </p:style>
+        <p:txBody>
+          <a:bodyPr rtlCol="0" anchor="ctr"/>
+          <a:lstStyle/>
+          <a:p>
+            <a:pPr algn="ctr"/>
+            <a:endParaRPr lang="en-GB"/>
+          </a:p>
+        </p:txBody>
+      </p:sp>
+      <p:cxnSp>
+        <p:nvCxnSpPr>
+          <p:cNvPr id="43" name="Straight Connector 42"/>
+          <p:cNvCxnSpPr/>
+          <p:nvPr/>
+        </p:nvCxnSpPr>
+        <p:spPr>
+          <a:xfrm flipH="1">
+            <a:off x="2227292" y="3586833"/>
+            <a:ext cx="257577" cy="0"/>
+          </a:xfrm>
+          <a:prstGeom prst="line">
+            <a:avLst/>
+          </a:prstGeom>
+        </p:spPr>
+        <p:style>
+          <a:lnRef idx="1">
+            <a:schemeClr val="accent1"/>
+          </a:lnRef>
+          <a:fillRef idx="0">
+            <a:schemeClr val="accent1"/>
+          </a:fillRef>
+          <a:effectRef idx="0">
+            <a:schemeClr val="accent1"/>
+          </a:effectRef>
+          <a:fontRef idx="minor">
+            <a:schemeClr val="tx1"/>
+          </a:fontRef>
+        </p:style>
+      </p:cxnSp>
+      <p:sp>
+        <p:nvSpPr>
+          <p:cNvPr id="45" name="TextBox 44"/>
+          <p:cNvSpPr txBox="1"/>
+          <p:nvPr/>
+        </p:nvSpPr>
+        <p:spPr>
+          <a:xfrm>
+            <a:off x="746039" y="4421606"/>
+            <a:ext cx="1044838" cy="369332"/>
+          </a:xfrm>
+          <a:prstGeom prst="rect">
+            <a:avLst/>
+          </a:prstGeom>
+          <a:noFill/>
+        </p:spPr>
+        <p:txBody>
+          <a:bodyPr wrap="none" rtlCol="0">
+            <a:spAutoFit/>
+          </a:bodyPr>
+          <a:lstStyle/>
+          <a:p>
+            <a:r>
+              <a:rPr lang="en-GB" dirty="0" smtClean="0"/>
+              <a:t>MPI_Test</a:t>
+            </a:r>
+            <a:endParaRPr lang="en-GB" dirty="0"/>
+          </a:p>
+        </p:txBody>
+      </p:sp>
+      <p:cxnSp>
+        <p:nvCxnSpPr>
+          <p:cNvPr id="46" name="Straight Connector 45"/>
+          <p:cNvCxnSpPr/>
+          <p:nvPr/>
+        </p:nvCxnSpPr>
+        <p:spPr>
+          <a:xfrm flipH="1">
+            <a:off x="2053293" y="4559118"/>
+            <a:ext cx="431576" cy="0"/>
+          </a:xfrm>
+          <a:prstGeom prst="line">
+            <a:avLst/>
+          </a:prstGeom>
+        </p:spPr>
+        <p:style>
+          <a:lnRef idx="1">
+            <a:schemeClr val="accent1"/>
+          </a:lnRef>
+          <a:fillRef idx="0">
+            <a:schemeClr val="accent1"/>
+          </a:fillRef>
+          <a:effectRef idx="0">
+            <a:schemeClr val="accent1"/>
+          </a:effectRef>
+          <a:fontRef idx="minor">
+            <a:schemeClr val="tx1"/>
+          </a:fontRef>
+        </p:style>
+      </p:cxnSp>
+      <p:sp>
+        <p:nvSpPr>
+          <p:cNvPr id="47" name="Rectangle 46"/>
+          <p:cNvSpPr/>
+          <p:nvPr/>
+        </p:nvSpPr>
+        <p:spPr>
+          <a:xfrm>
+            <a:off x="1683817" y="4374452"/>
+            <a:ext cx="369012" cy="369332"/>
+          </a:xfrm>
+          <a:prstGeom prst="rect">
+            <a:avLst/>
+          </a:prstGeom>
+        </p:spPr>
+        <p:txBody>
+          <a:bodyPr wrap="none">
+            <a:spAutoFit/>
+          </a:bodyPr>
+          <a:lstStyle/>
+          <a:p>
+            <a:r>
+              <a:rPr lang="en-GB" b="0" i="0" strike="noStrike" dirty="0" smtClean="0">
+                <a:solidFill>
+                  <a:srgbClr val="FF0000"/>
+                </a:solidFill>
+                <a:effectLst/>
+                <a:latin typeface="arial" panose="020B0604020202020204" pitchFamily="34" charset="0"/>
+                <a:hlinkClick r:id="rId2"/>
+              </a:rPr>
+              <a:t>✔️</a:t>
+            </a:r>
+            <a:endParaRPr lang="en-GB" b="0" i="0" strike="noStrike" dirty="0">
+              <a:solidFill>
+                <a:srgbClr val="FF0000"/>
+              </a:solidFill>
+              <a:effectLst/>
+              <a:latin typeface="arial" panose="020B0604020202020204" pitchFamily="34" charset="0"/>
+              <a:hlinkClick r:id="rId2"/>
+            </a:endParaRPr>
+          </a:p>
+        </p:txBody>
+      </p:sp>
+    </p:spTree>
+    <p:extLst>
+      <p:ext uri="{BB962C8B-B14F-4D97-AF65-F5344CB8AC3E}">
+        <p14:creationId xmlns:p14="http://schemas.microsoft.com/office/powerpoint/2010/main" val="3139818640"/>
       </p:ext>
     </p:extLst>
   </p:cSld>
